--- a/Sorty/assets/source.pptx
+++ b/Sorty/assets/source.pptx
@@ -2446,7 +2446,14 @@
     <dgm:pt modelId="{80953099-8961-4606-BAD3-B25490E21A25}" type="parTrans" cxnId="{B08DD6FA-A0F3-42E2-935D-063A0E9F2FAF}">
       <dgm:prSet/>
       <dgm:spPr>
-        <a:ln w="50800"/>
+        <a:ln w="50800">
+          <a:solidFill>
+            <a:schemeClr val="tx1">
+              <a:lumMod val="50000"/>
+              <a:lumOff val="50000"/>
+            </a:schemeClr>
+          </a:solidFill>
+        </a:ln>
       </dgm:spPr>
       <dgm:t>
         <a:bodyPr/>
@@ -2493,7 +2500,14 @@
     <dgm:pt modelId="{A5D8EC3A-61C0-40CE-86A7-35187EAC2E9D}" type="parTrans" cxnId="{A359075E-AF05-4719-ACC1-E2887CFCC51C}">
       <dgm:prSet/>
       <dgm:spPr>
-        <a:ln w="50800"/>
+        <a:ln w="50800">
+          <a:solidFill>
+            <a:schemeClr val="tx1">
+              <a:lumMod val="50000"/>
+              <a:lumOff val="50000"/>
+            </a:schemeClr>
+          </a:solidFill>
+        </a:ln>
       </dgm:spPr>
       <dgm:t>
         <a:bodyPr/>
@@ -2540,7 +2554,14 @@
     <dgm:pt modelId="{2784968D-B14C-4381-8D6A-DD06F5972B2B}" type="parTrans" cxnId="{2F47FA29-80F8-4DDD-AF80-A1774200473A}">
       <dgm:prSet/>
       <dgm:spPr>
-        <a:ln w="50800"/>
+        <a:ln w="50800">
+          <a:solidFill>
+            <a:schemeClr val="tx1">
+              <a:lumMod val="50000"/>
+              <a:lumOff val="50000"/>
+            </a:schemeClr>
+          </a:solidFill>
+        </a:ln>
       </dgm:spPr>
       <dgm:t>
         <a:bodyPr/>
@@ -2587,7 +2608,14 @@
     <dgm:pt modelId="{916AF32E-A5F3-43B3-84CB-C284D9C1FAE4}" type="parTrans" cxnId="{7E9179F4-DA69-4B38-B941-8F8F70258C55}">
       <dgm:prSet/>
       <dgm:spPr>
-        <a:ln w="50800"/>
+        <a:ln w="50800">
+          <a:solidFill>
+            <a:schemeClr val="tx1">
+              <a:lumMod val="50000"/>
+              <a:lumOff val="50000"/>
+            </a:schemeClr>
+          </a:solidFill>
+        </a:ln>
       </dgm:spPr>
       <dgm:t>
         <a:bodyPr/>
@@ -2634,7 +2662,14 @@
     <dgm:pt modelId="{FE7D7850-08A1-4794-81CC-E044DEC2A202}" type="parTrans" cxnId="{60EE27F1-2EB1-4E93-ABD5-5428B30E829C}">
       <dgm:prSet/>
       <dgm:spPr>
-        <a:ln w="50800"/>
+        <a:ln w="50800">
+          <a:solidFill>
+            <a:schemeClr val="tx1">
+              <a:lumMod val="50000"/>
+              <a:lumOff val="50000"/>
+            </a:schemeClr>
+          </a:solidFill>
+        </a:ln>
       </dgm:spPr>
       <dgm:t>
         <a:bodyPr/>
@@ -2952,7 +2987,14 @@
     <dgm:pt modelId="{80953099-8961-4606-BAD3-B25490E21A25}" type="parTrans" cxnId="{B08DD6FA-A0F3-42E2-935D-063A0E9F2FAF}">
       <dgm:prSet/>
       <dgm:spPr>
-        <a:ln w="50800"/>
+        <a:ln w="50800">
+          <a:solidFill>
+            <a:schemeClr val="tx1">
+              <a:lumMod val="50000"/>
+              <a:lumOff val="50000"/>
+            </a:schemeClr>
+          </a:solidFill>
+        </a:ln>
       </dgm:spPr>
       <dgm:t>
         <a:bodyPr/>
@@ -2999,7 +3041,14 @@
     <dgm:pt modelId="{A5D8EC3A-61C0-40CE-86A7-35187EAC2E9D}" type="parTrans" cxnId="{A359075E-AF05-4719-ACC1-E2887CFCC51C}">
       <dgm:prSet/>
       <dgm:spPr>
-        <a:ln w="50800"/>
+        <a:ln w="50800">
+          <a:solidFill>
+            <a:schemeClr val="tx1">
+              <a:lumMod val="50000"/>
+              <a:lumOff val="50000"/>
+            </a:schemeClr>
+          </a:solidFill>
+        </a:ln>
       </dgm:spPr>
       <dgm:t>
         <a:bodyPr/>
@@ -3046,7 +3095,14 @@
     <dgm:pt modelId="{2784968D-B14C-4381-8D6A-DD06F5972B2B}" type="parTrans" cxnId="{2F47FA29-80F8-4DDD-AF80-A1774200473A}">
       <dgm:prSet/>
       <dgm:spPr>
-        <a:ln w="50800"/>
+        <a:ln w="50800">
+          <a:solidFill>
+            <a:schemeClr val="tx1">
+              <a:lumMod val="50000"/>
+              <a:lumOff val="50000"/>
+            </a:schemeClr>
+          </a:solidFill>
+        </a:ln>
       </dgm:spPr>
       <dgm:t>
         <a:bodyPr/>
@@ -3093,7 +3149,14 @@
     <dgm:pt modelId="{916AF32E-A5F3-43B3-84CB-C284D9C1FAE4}" type="parTrans" cxnId="{7E9179F4-DA69-4B38-B941-8F8F70258C55}">
       <dgm:prSet/>
       <dgm:spPr>
-        <a:ln w="50800"/>
+        <a:ln w="50800">
+          <a:solidFill>
+            <a:schemeClr val="tx1">
+              <a:lumMod val="50000"/>
+              <a:lumOff val="50000"/>
+            </a:schemeClr>
+          </a:solidFill>
+        </a:ln>
       </dgm:spPr>
       <dgm:t>
         <a:bodyPr/>
@@ -3140,7 +3203,14 @@
     <dgm:pt modelId="{FE7D7850-08A1-4794-81CC-E044DEC2A202}" type="parTrans" cxnId="{60EE27F1-2EB1-4E93-ABD5-5428B30E829C}">
       <dgm:prSet/>
       <dgm:spPr>
-        <a:ln w="50800"/>
+        <a:ln w="50800">
+          <a:solidFill>
+            <a:schemeClr val="tx1">
+              <a:lumMod val="50000"/>
+              <a:lumOff val="50000"/>
+            </a:schemeClr>
+          </a:solidFill>
+        </a:ln>
       </dgm:spPr>
       <dgm:t>
         <a:bodyPr/>
@@ -3458,7 +3528,14 @@
     <dgm:pt modelId="{80953099-8961-4606-BAD3-B25490E21A25}" type="parTrans" cxnId="{B08DD6FA-A0F3-42E2-935D-063A0E9F2FAF}">
       <dgm:prSet/>
       <dgm:spPr>
-        <a:ln w="50800"/>
+        <a:ln w="50800">
+          <a:solidFill>
+            <a:schemeClr val="tx1">
+              <a:lumMod val="50000"/>
+              <a:lumOff val="50000"/>
+            </a:schemeClr>
+          </a:solidFill>
+        </a:ln>
       </dgm:spPr>
       <dgm:t>
         <a:bodyPr/>
@@ -3505,7 +3582,14 @@
     <dgm:pt modelId="{A5D8EC3A-61C0-40CE-86A7-35187EAC2E9D}" type="parTrans" cxnId="{A359075E-AF05-4719-ACC1-E2887CFCC51C}">
       <dgm:prSet/>
       <dgm:spPr>
-        <a:ln w="50800"/>
+        <a:ln w="50800">
+          <a:solidFill>
+            <a:schemeClr val="tx1">
+              <a:lumMod val="50000"/>
+              <a:lumOff val="50000"/>
+            </a:schemeClr>
+          </a:solidFill>
+        </a:ln>
       </dgm:spPr>
       <dgm:t>
         <a:bodyPr/>
@@ -3552,7 +3636,14 @@
     <dgm:pt modelId="{2784968D-B14C-4381-8D6A-DD06F5972B2B}" type="parTrans" cxnId="{2F47FA29-80F8-4DDD-AF80-A1774200473A}">
       <dgm:prSet/>
       <dgm:spPr>
-        <a:ln w="50800"/>
+        <a:ln w="50800">
+          <a:solidFill>
+            <a:schemeClr val="tx1">
+              <a:lumMod val="50000"/>
+              <a:lumOff val="50000"/>
+            </a:schemeClr>
+          </a:solidFill>
+        </a:ln>
       </dgm:spPr>
       <dgm:t>
         <a:bodyPr/>
@@ -3599,7 +3690,14 @@
     <dgm:pt modelId="{916AF32E-A5F3-43B3-84CB-C284D9C1FAE4}" type="parTrans" cxnId="{7E9179F4-DA69-4B38-B941-8F8F70258C55}">
       <dgm:prSet/>
       <dgm:spPr>
-        <a:ln w="50800"/>
+        <a:ln w="50800">
+          <a:solidFill>
+            <a:schemeClr val="tx1">
+              <a:lumMod val="50000"/>
+              <a:lumOff val="50000"/>
+            </a:schemeClr>
+          </a:solidFill>
+        </a:ln>
       </dgm:spPr>
       <dgm:t>
         <a:bodyPr/>
@@ -3646,7 +3744,14 @@
     <dgm:pt modelId="{FE7D7850-08A1-4794-81CC-E044DEC2A202}" type="parTrans" cxnId="{60EE27F1-2EB1-4E93-ABD5-5428B30E829C}">
       <dgm:prSet/>
       <dgm:spPr>
-        <a:ln w="50800"/>
+        <a:ln w="50800">
+          <a:solidFill>
+            <a:schemeClr val="tx1">
+              <a:lumMod val="50000"/>
+              <a:lumOff val="50000"/>
+            </a:schemeClr>
+          </a:solidFill>
+        </a:ln>
       </dgm:spPr>
       <dgm:t>
         <a:bodyPr/>
@@ -3693,7 +3798,14 @@
     <dgm:pt modelId="{0ABBF393-0AE8-45FE-974F-9CD24D7A0C14}" type="parTrans" cxnId="{2D495478-E438-4CFB-AE94-88AFD205D4D1}">
       <dgm:prSet/>
       <dgm:spPr>
-        <a:ln w="50800"/>
+        <a:ln w="50800">
+          <a:solidFill>
+            <a:schemeClr val="tx1">
+              <a:lumMod val="50000"/>
+              <a:lumOff val="50000"/>
+            </a:schemeClr>
+          </a:solidFill>
+        </a:ln>
       </dgm:spPr>
       <dgm:t>
         <a:bodyPr/>
@@ -3734,7 +3846,14 @@
     <dgm:pt modelId="{336F8055-354D-46D0-8146-7BD146A2A0C3}" type="parTrans" cxnId="{5167FBD5-F3C8-48EE-9D25-AA2AEB78829A}">
       <dgm:prSet/>
       <dgm:spPr>
-        <a:ln w="50800"/>
+        <a:ln w="50800">
+          <a:solidFill>
+            <a:schemeClr val="tx1">
+              <a:lumMod val="50000"/>
+              <a:lumOff val="50000"/>
+            </a:schemeClr>
+          </a:solidFill>
+        </a:ln>
       </dgm:spPr>
       <dgm:t>
         <a:bodyPr/>
@@ -4154,7 +4273,10 @@
         <a:noFill/>
         <a:ln w="50800" cap="flat" cmpd="sng" algn="ctr">
           <a:solidFill>
-            <a:scrgbClr r="0" g="0" b="0"/>
+            <a:schemeClr val="tx1">
+              <a:lumMod val="50000"/>
+              <a:lumOff val="50000"/>
+            </a:schemeClr>
           </a:solidFill>
           <a:prstDash val="solid"/>
           <a:miter lim="800000"/>
@@ -4315,7 +4437,10 @@
         <a:noFill/>
         <a:ln w="50800" cap="flat" cmpd="sng" algn="ctr">
           <a:solidFill>
-            <a:scrgbClr r="0" g="0" b="0"/>
+            <a:schemeClr val="tx1">
+              <a:lumMod val="50000"/>
+              <a:lumOff val="50000"/>
+            </a:schemeClr>
           </a:solidFill>
           <a:prstDash val="solid"/>
           <a:miter lim="800000"/>
@@ -4476,7 +4601,10 @@
         <a:noFill/>
         <a:ln w="50800" cap="flat" cmpd="sng" algn="ctr">
           <a:solidFill>
-            <a:scrgbClr r="0" g="0" b="0"/>
+            <a:schemeClr val="tx1">
+              <a:lumMod val="50000"/>
+              <a:lumOff val="50000"/>
+            </a:schemeClr>
           </a:solidFill>
           <a:prstDash val="solid"/>
           <a:miter lim="800000"/>
@@ -4637,7 +4765,10 @@
         <a:noFill/>
         <a:ln w="50800" cap="flat" cmpd="sng" algn="ctr">
           <a:solidFill>
-            <a:scrgbClr r="0" g="0" b="0"/>
+            <a:schemeClr val="tx1">
+              <a:lumMod val="50000"/>
+              <a:lumOff val="50000"/>
+            </a:schemeClr>
           </a:solidFill>
           <a:prstDash val="solid"/>
           <a:miter lim="800000"/>
@@ -4798,7 +4929,10 @@
         <a:noFill/>
         <a:ln w="50800" cap="flat" cmpd="sng" algn="ctr">
           <a:solidFill>
-            <a:scrgbClr r="0" g="0" b="0"/>
+            <a:schemeClr val="tx1">
+              <a:lumMod val="50000"/>
+              <a:lumOff val="50000"/>
+            </a:schemeClr>
           </a:solidFill>
           <a:prstDash val="solid"/>
           <a:miter lim="800000"/>
@@ -5054,7 +5188,10 @@
         <a:noFill/>
         <a:ln w="50800" cap="flat" cmpd="sng" algn="ctr">
           <a:solidFill>
-            <a:scrgbClr r="0" g="0" b="0"/>
+            <a:schemeClr val="tx1">
+              <a:lumMod val="50000"/>
+              <a:lumOff val="50000"/>
+            </a:schemeClr>
           </a:solidFill>
           <a:prstDash val="solid"/>
           <a:miter lim="800000"/>
@@ -5215,7 +5352,10 @@
         <a:noFill/>
         <a:ln w="50800" cap="flat" cmpd="sng" algn="ctr">
           <a:solidFill>
-            <a:scrgbClr r="0" g="0" b="0"/>
+            <a:schemeClr val="tx1">
+              <a:lumMod val="50000"/>
+              <a:lumOff val="50000"/>
+            </a:schemeClr>
           </a:solidFill>
           <a:prstDash val="solid"/>
           <a:miter lim="800000"/>
@@ -5376,7 +5516,10 @@
         <a:noFill/>
         <a:ln w="50800" cap="flat" cmpd="sng" algn="ctr">
           <a:solidFill>
-            <a:scrgbClr r="0" g="0" b="0"/>
+            <a:schemeClr val="tx1">
+              <a:lumMod val="50000"/>
+              <a:lumOff val="50000"/>
+            </a:schemeClr>
           </a:solidFill>
           <a:prstDash val="solid"/>
           <a:miter lim="800000"/>
@@ -5537,7 +5680,10 @@
         <a:noFill/>
         <a:ln w="50800" cap="flat" cmpd="sng" algn="ctr">
           <a:solidFill>
-            <a:scrgbClr r="0" g="0" b="0"/>
+            <a:schemeClr val="tx1">
+              <a:lumMod val="50000"/>
+              <a:lumOff val="50000"/>
+            </a:schemeClr>
           </a:solidFill>
           <a:prstDash val="solid"/>
           <a:miter lim="800000"/>
@@ -5698,7 +5844,10 @@
         <a:noFill/>
         <a:ln w="50800" cap="flat" cmpd="sng" algn="ctr">
           <a:solidFill>
-            <a:scrgbClr r="0" g="0" b="0"/>
+            <a:schemeClr val="tx1">
+              <a:lumMod val="50000"/>
+              <a:lumOff val="50000"/>
+            </a:schemeClr>
           </a:solidFill>
           <a:prstDash val="solid"/>
           <a:miter lim="800000"/>
@@ -5954,7 +6103,10 @@
         <a:noFill/>
         <a:ln w="50800" cap="flat" cmpd="sng" algn="ctr">
           <a:solidFill>
-            <a:scrgbClr r="0" g="0" b="0"/>
+            <a:schemeClr val="tx1">
+              <a:lumMod val="50000"/>
+              <a:lumOff val="50000"/>
+            </a:schemeClr>
           </a:solidFill>
           <a:prstDash val="solid"/>
           <a:miter lim="800000"/>
@@ -6115,7 +6267,10 @@
         <a:noFill/>
         <a:ln w="50800" cap="flat" cmpd="sng" algn="ctr">
           <a:solidFill>
-            <a:scrgbClr r="0" g="0" b="0"/>
+            <a:schemeClr val="tx1">
+              <a:lumMod val="50000"/>
+              <a:lumOff val="50000"/>
+            </a:schemeClr>
           </a:solidFill>
           <a:prstDash val="solid"/>
           <a:miter lim="800000"/>
@@ -6276,7 +6431,10 @@
         <a:noFill/>
         <a:ln w="50800" cap="flat" cmpd="sng" algn="ctr">
           <a:solidFill>
-            <a:scrgbClr r="0" g="0" b="0"/>
+            <a:schemeClr val="tx1">
+              <a:lumMod val="50000"/>
+              <a:lumOff val="50000"/>
+            </a:schemeClr>
           </a:solidFill>
           <a:prstDash val="solid"/>
           <a:miter lim="800000"/>
@@ -6437,7 +6595,10 @@
         <a:noFill/>
         <a:ln w="50800" cap="flat" cmpd="sng" algn="ctr">
           <a:solidFill>
-            <a:scrgbClr r="0" g="0" b="0"/>
+            <a:schemeClr val="tx1">
+              <a:lumMod val="50000"/>
+              <a:lumOff val="50000"/>
+            </a:schemeClr>
           </a:solidFill>
           <a:prstDash val="solid"/>
           <a:miter lim="800000"/>
@@ -6595,7 +6756,10 @@
         <a:noFill/>
         <a:ln w="50800" cap="flat" cmpd="sng" algn="ctr">
           <a:solidFill>
-            <a:scrgbClr r="0" g="0" b="0"/>
+            <a:schemeClr val="tx1">
+              <a:lumMod val="50000"/>
+              <a:lumOff val="50000"/>
+            </a:schemeClr>
           </a:solidFill>
           <a:prstDash val="solid"/>
           <a:miter lim="800000"/>
@@ -6753,7 +6917,10 @@
         <a:noFill/>
         <a:ln w="50800" cap="flat" cmpd="sng" algn="ctr">
           <a:solidFill>
-            <a:scrgbClr r="0" g="0" b="0"/>
+            <a:schemeClr val="tx1">
+              <a:lumMod val="50000"/>
+              <a:lumOff val="50000"/>
+            </a:schemeClr>
           </a:solidFill>
           <a:prstDash val="solid"/>
           <a:miter lim="800000"/>
@@ -6914,7 +7081,10 @@
         <a:noFill/>
         <a:ln w="50800" cap="flat" cmpd="sng" algn="ctr">
           <a:solidFill>
-            <a:scrgbClr r="0" g="0" b="0"/>
+            <a:schemeClr val="tx1">
+              <a:lumMod val="50000"/>
+              <a:lumOff val="50000"/>
+            </a:schemeClr>
           </a:solidFill>
           <a:prstDash val="solid"/>
           <a:miter lim="800000"/>
@@ -14338,7 +14508,7 @@
           <p:nvPr>
             <p:extLst>
               <p:ext uri="{D42A27DB-BD31-4B8C-83A1-F6EECF244321}">
-                <p14:modId xmlns:p14="http://schemas.microsoft.com/office/powerpoint/2010/main" val="1143774367"/>
+                <p14:modId xmlns:p14="http://schemas.microsoft.com/office/powerpoint/2010/main" val="1461916597"/>
               </p:ext>
             </p:extLst>
           </p:nvPr>
@@ -14396,7 +14566,7 @@
           <p:nvPr>
             <p:extLst>
               <p:ext uri="{D42A27DB-BD31-4B8C-83A1-F6EECF244321}">
-                <p14:modId xmlns:p14="http://schemas.microsoft.com/office/powerpoint/2010/main" val="3968477950"/>
+                <p14:modId xmlns:p14="http://schemas.microsoft.com/office/powerpoint/2010/main" val="724131631"/>
               </p:ext>
             </p:extLst>
           </p:nvPr>
@@ -14454,7 +14624,7 @@
           <p:nvPr>
             <p:extLst>
               <p:ext uri="{D42A27DB-BD31-4B8C-83A1-F6EECF244321}">
-                <p14:modId xmlns:p14="http://schemas.microsoft.com/office/powerpoint/2010/main" val="3411955886"/>
+                <p14:modId xmlns:p14="http://schemas.microsoft.com/office/powerpoint/2010/main" val="537503942"/>
               </p:ext>
             </p:extLst>
           </p:nvPr>
